--- a/test-junit/junit.pptx
+++ b/test-junit/junit.pptx
@@ -14,6 +14,13 @@
     <p:sldId id="260" r:id="rId8"/>
     <p:sldId id="261" r:id="rId9"/>
     <p:sldId id="264" r:id="rId10"/>
+    <p:sldId id="265" r:id="rId11"/>
+    <p:sldId id="266" r:id="rId12"/>
+    <p:sldId id="267" r:id="rId13"/>
+    <p:sldId id="268" r:id="rId14"/>
+    <p:sldId id="269" r:id="rId15"/>
+    <p:sldId id="270" r:id="rId16"/>
+    <p:sldId id="271" r:id="rId17"/>
   </p:sldIdLst>
   <p:sldSz cx="9144000" cy="6858000" type="screen4x3"/>
   <p:notesSz cx="6858000" cy="9144000"/>
@@ -4763,6 +4770,1053 @@
     <p:extLst>
       <p:ext uri="{BB962C8B-B14F-4D97-AF65-F5344CB8AC3E}">
         <p14:creationId xmlns:p14="http://schemas.microsoft.com/office/powerpoint/2010/main" val="379343401"/>
+      </p:ext>
+    </p:extLst>
+  </p:cSld>
+  <p:clrMapOvr>
+    <a:masterClrMapping/>
+  </p:clrMapOvr>
+</p:sld>
+</file>
+
+<file path=ppt/slides/slide10.xml><?xml version="1.0" encoding="utf-8"?>
+<p:sld xmlns:a="http://schemas.openxmlformats.org/drawingml/2006/main" xmlns:r="http://schemas.openxmlformats.org/officeDocument/2006/relationships" xmlns:p="http://schemas.openxmlformats.org/presentationml/2006/main">
+  <p:cSld>
+    <p:spTree>
+      <p:nvGrpSpPr>
+        <p:cNvPr id="1" name=""/>
+        <p:cNvGrpSpPr/>
+        <p:nvPr/>
+      </p:nvGrpSpPr>
+      <p:grpSpPr>
+        <a:xfrm>
+          <a:off x="0" y="0"/>
+          <a:ext cx="0" cy="0"/>
+          <a:chOff x="0" y="0"/>
+          <a:chExt cx="0" cy="0"/>
+        </a:xfrm>
+      </p:grpSpPr>
+      <p:sp>
+        <p:nvSpPr>
+          <p:cNvPr id="2" name="Title 1"/>
+          <p:cNvSpPr>
+            <a:spLocks noGrp="1"/>
+          </p:cNvSpPr>
+          <p:nvPr>
+            <p:ph type="title"/>
+          </p:nvPr>
+        </p:nvSpPr>
+        <p:spPr/>
+        <p:txBody>
+          <a:bodyPr/>
+          <a:lstStyle/>
+          <a:p>
+            <a:r>
+              <a:rPr lang="en-US"/>
+              <a:t>Suite Test</a:t>
+            </a:r>
+            <a:endParaRPr lang="en-US"/>
+          </a:p>
+        </p:txBody>
+      </p:sp>
+      <p:sp>
+        <p:nvSpPr>
+          <p:cNvPr id="3" name="Content Placeholder 2"/>
+          <p:cNvSpPr>
+            <a:spLocks noGrp="1"/>
+          </p:cNvSpPr>
+          <p:nvPr>
+            <p:ph idx="1"/>
+          </p:nvPr>
+        </p:nvSpPr>
+        <p:spPr/>
+        <p:txBody>
+          <a:bodyPr/>
+          <a:lstStyle/>
+          <a:p>
+            <a:r>
+              <a:rPr lang="en-US" smtClean="0"/>
+              <a:t>Các đơn vị kiểm thử chạy vợi nhau.</a:t>
+            </a:r>
+            <a:br>
+              <a:rPr lang="en-US" smtClean="0"/>
+            </a:br>
+            <a:r>
+              <a:rPr lang="en-US" smtClean="0"/>
+              <a:t>Chạy theo thứ tự liệt kê.</a:t>
+            </a:r>
+            <a:endParaRPr lang="en-US"/>
+          </a:p>
+        </p:txBody>
+      </p:sp>
+      <p:pic>
+        <p:nvPicPr>
+          <p:cNvPr id="6146" name="Picture 2"/>
+          <p:cNvPicPr>
+            <a:picLocks noChangeAspect="1" noChangeArrowheads="1"/>
+          </p:cNvPicPr>
+          <p:nvPr/>
+        </p:nvPicPr>
+        <p:blipFill>
+          <a:blip r:embed="rId2">
+            <a:extLst>
+              <a:ext uri="{28A0092B-C50C-407E-A947-70E740481C1C}">
+                <a14:useLocalDpi xmlns:a14="http://schemas.microsoft.com/office/drawing/2010/main" val="0"/>
+              </a:ext>
+            </a:extLst>
+          </a:blip>
+          <a:srcRect/>
+          <a:stretch>
+            <a:fillRect/>
+          </a:stretch>
+        </p:blipFill>
+        <p:spPr bwMode="auto">
+          <a:xfrm>
+            <a:off x="228600" y="2667000"/>
+            <a:ext cx="8191500" cy="2714625"/>
+          </a:xfrm>
+          <a:prstGeom prst="rect">
+            <a:avLst/>
+          </a:prstGeom>
+          <a:noFill/>
+          <a:ln>
+            <a:noFill/>
+          </a:ln>
+          <a:effectLst/>
+          <a:extLst>
+            <a:ext uri="{909E8E84-426E-40DD-AFC4-6F175D3DCCD1}">
+              <a14:hiddenFill xmlns:a14="http://schemas.microsoft.com/office/drawing/2010/main">
+                <a:solidFill>
+                  <a:schemeClr val="accent1"/>
+                </a:solidFill>
+              </a14:hiddenFill>
+            </a:ext>
+            <a:ext uri="{91240B29-F687-4F45-9708-019B960494DF}">
+              <a14:hiddenLine xmlns:a14="http://schemas.microsoft.com/office/drawing/2010/main" w="9525">
+                <a:solidFill>
+                  <a:schemeClr val="tx1"/>
+                </a:solidFill>
+                <a:miter lim="800000"/>
+                <a:headEnd/>
+                <a:tailEnd/>
+              </a14:hiddenLine>
+            </a:ext>
+            <a:ext uri="{AF507438-7753-43E0-B8FC-AC1667EBCBE1}">
+              <a14:hiddenEffects xmlns:a14="http://schemas.microsoft.com/office/drawing/2010/main">
+                <a:effectLst>
+                  <a:outerShdw dist="35921" dir="2700000" algn="ctr" rotWithShape="0">
+                    <a:schemeClr val="bg2"/>
+                  </a:outerShdw>
+                </a:effectLst>
+              </a14:hiddenEffects>
+            </a:ext>
+          </a:extLst>
+        </p:spPr>
+      </p:pic>
+      <p:pic>
+        <p:nvPicPr>
+          <p:cNvPr id="6147" name="Picture 3"/>
+          <p:cNvPicPr>
+            <a:picLocks noChangeAspect="1" noChangeArrowheads="1"/>
+          </p:cNvPicPr>
+          <p:nvPr/>
+        </p:nvPicPr>
+        <p:blipFill>
+          <a:blip r:embed="rId3">
+            <a:extLst>
+              <a:ext uri="{28A0092B-C50C-407E-A947-70E740481C1C}">
+                <a14:useLocalDpi xmlns:a14="http://schemas.microsoft.com/office/drawing/2010/main" val="0"/>
+              </a:ext>
+            </a:extLst>
+          </a:blip>
+          <a:srcRect/>
+          <a:stretch>
+            <a:fillRect/>
+          </a:stretch>
+        </p:blipFill>
+        <p:spPr bwMode="auto">
+          <a:xfrm>
+            <a:off x="5867400" y="4533900"/>
+            <a:ext cx="2984500" cy="2247900"/>
+          </a:xfrm>
+          <a:prstGeom prst="rect">
+            <a:avLst/>
+          </a:prstGeom>
+          <a:noFill/>
+          <a:ln>
+            <a:noFill/>
+          </a:ln>
+          <a:effectLst/>
+          <a:extLst>
+            <a:ext uri="{909E8E84-426E-40DD-AFC4-6F175D3DCCD1}">
+              <a14:hiddenFill xmlns:a14="http://schemas.microsoft.com/office/drawing/2010/main">
+                <a:solidFill>
+                  <a:schemeClr val="accent1"/>
+                </a:solidFill>
+              </a14:hiddenFill>
+            </a:ext>
+            <a:ext uri="{91240B29-F687-4F45-9708-019B960494DF}">
+              <a14:hiddenLine xmlns:a14="http://schemas.microsoft.com/office/drawing/2010/main" w="9525">
+                <a:solidFill>
+                  <a:schemeClr val="tx1"/>
+                </a:solidFill>
+                <a:miter lim="800000"/>
+                <a:headEnd/>
+                <a:tailEnd/>
+              </a14:hiddenLine>
+            </a:ext>
+            <a:ext uri="{AF507438-7753-43E0-B8FC-AC1667EBCBE1}">
+              <a14:hiddenEffects xmlns:a14="http://schemas.microsoft.com/office/drawing/2010/main">
+                <a:effectLst>
+                  <a:outerShdw dist="35921" dir="2700000" algn="ctr" rotWithShape="0">
+                    <a:schemeClr val="bg2"/>
+                  </a:outerShdw>
+                </a:effectLst>
+              </a14:hiddenEffects>
+            </a:ext>
+          </a:extLst>
+        </p:spPr>
+      </p:pic>
+    </p:spTree>
+    <p:extLst>
+      <p:ext uri="{BB962C8B-B14F-4D97-AF65-F5344CB8AC3E}">
+        <p14:creationId xmlns:p14="http://schemas.microsoft.com/office/powerpoint/2010/main" val="2498603092"/>
+      </p:ext>
+    </p:extLst>
+  </p:cSld>
+  <p:clrMapOvr>
+    <a:masterClrMapping/>
+  </p:clrMapOvr>
+</p:sld>
+</file>
+
+<file path=ppt/slides/slide11.xml><?xml version="1.0" encoding="utf-8"?>
+<p:sld xmlns:a="http://schemas.openxmlformats.org/drawingml/2006/main" xmlns:r="http://schemas.openxmlformats.org/officeDocument/2006/relationships" xmlns:p="http://schemas.openxmlformats.org/presentationml/2006/main">
+  <p:cSld>
+    <p:spTree>
+      <p:nvGrpSpPr>
+        <p:cNvPr id="1" name=""/>
+        <p:cNvGrpSpPr/>
+        <p:nvPr/>
+      </p:nvGrpSpPr>
+      <p:grpSpPr>
+        <a:xfrm>
+          <a:off x="0" y="0"/>
+          <a:ext cx="0" cy="0"/>
+          <a:chOff x="0" y="0"/>
+          <a:chExt cx="0" cy="0"/>
+        </a:xfrm>
+      </p:grpSpPr>
+      <p:sp>
+        <p:nvSpPr>
+          <p:cNvPr id="2" name="Title 1"/>
+          <p:cNvSpPr>
+            <a:spLocks noGrp="1"/>
+          </p:cNvSpPr>
+          <p:nvPr>
+            <p:ph type="title"/>
+          </p:nvPr>
+        </p:nvSpPr>
+        <p:spPr/>
+        <p:txBody>
+          <a:bodyPr/>
+          <a:lstStyle/>
+          <a:p>
+            <a:r>
+              <a:rPr lang="en-US" smtClean="0"/>
+              <a:t>JUNIT ANDROID</a:t>
+            </a:r>
+            <a:endParaRPr lang="en-US"/>
+          </a:p>
+        </p:txBody>
+      </p:sp>
+      <p:sp>
+        <p:nvSpPr>
+          <p:cNvPr id="3" name="Content Placeholder 2"/>
+          <p:cNvSpPr>
+            <a:spLocks noGrp="1"/>
+          </p:cNvSpPr>
+          <p:nvPr>
+            <p:ph idx="1"/>
+          </p:nvPr>
+        </p:nvSpPr>
+        <p:spPr>
+          <a:xfrm>
+            <a:off x="4953000" y="1596306"/>
+            <a:ext cx="3733800" cy="5114058"/>
+          </a:xfrm>
+        </p:spPr>
+        <p:txBody>
+          <a:bodyPr>
+            <a:normAutofit lnSpcReduction="10000"/>
+          </a:bodyPr>
+          <a:lstStyle/>
+          <a:p>
+            <a:r>
+              <a:rPr lang="en-US" smtClean="0"/>
+              <a:t>Dự án theo cấu trúc chuẩn.</a:t>
+            </a:r>
+          </a:p>
+          <a:p>
+            <a:r>
+              <a:rPr lang="en-US" smtClean="0"/>
+              <a:t>Báo cáo kết quả một phần.</a:t>
+            </a:r>
+          </a:p>
+          <a:p>
+            <a:r>
+              <a:rPr lang="en-US" smtClean="0"/>
+              <a:t>Mỗi test case là test cho một module đơn lẻ.</a:t>
+            </a:r>
+          </a:p>
+          <a:p>
+            <a:r>
+              <a:rPr lang="en-US" smtClean="0"/>
+              <a:t>Hỗ trọ tốt JUnit 3</a:t>
+            </a:r>
+          </a:p>
+          <a:p>
+            <a:r>
+              <a:rPr lang="en-US"/>
+              <a:t>Dùng instrumented </a:t>
+            </a:r>
+            <a:r>
+              <a:rPr lang="en-US"/>
+              <a:t>runner </a:t>
+            </a:r>
+            <a:r>
+              <a:rPr lang="en-US" smtClean="0"/>
+              <a:t>để test.</a:t>
+            </a:r>
+          </a:p>
+          <a:p>
+            <a:r>
+              <a:rPr lang="en-US"/>
+              <a:t>InstrumentationTestRunner </a:t>
+            </a:r>
+            <a:r>
+              <a:rPr lang="en-US"/>
+              <a:t>Android </a:t>
+            </a:r>
+            <a:r>
+              <a:rPr lang="en-US" smtClean="0"/>
+              <a:t> để chạy các class test.</a:t>
+            </a:r>
+            <a:endParaRPr lang="en-US"/>
+          </a:p>
+        </p:txBody>
+      </p:sp>
+      <p:pic>
+        <p:nvPicPr>
+          <p:cNvPr id="7170" name="Picture 2"/>
+          <p:cNvPicPr>
+            <a:picLocks noChangeAspect="1" noChangeArrowheads="1"/>
+          </p:cNvPicPr>
+          <p:nvPr/>
+        </p:nvPicPr>
+        <p:blipFill>
+          <a:blip r:embed="rId2">
+            <a:extLst>
+              <a:ext uri="{28A0092B-C50C-407E-A947-70E740481C1C}">
+                <a14:useLocalDpi xmlns:a14="http://schemas.microsoft.com/office/drawing/2010/main" val="0"/>
+              </a:ext>
+            </a:extLst>
+          </a:blip>
+          <a:srcRect/>
+          <a:stretch>
+            <a:fillRect/>
+          </a:stretch>
+        </p:blipFill>
+        <p:spPr bwMode="auto">
+          <a:xfrm>
+            <a:off x="273050" y="1596305"/>
+            <a:ext cx="4679950" cy="5114058"/>
+          </a:xfrm>
+          <a:prstGeom prst="rect">
+            <a:avLst/>
+          </a:prstGeom>
+          <a:noFill/>
+          <a:ln>
+            <a:noFill/>
+          </a:ln>
+          <a:effectLst/>
+          <a:extLst>
+            <a:ext uri="{909E8E84-426E-40DD-AFC4-6F175D3DCCD1}">
+              <a14:hiddenFill xmlns:a14="http://schemas.microsoft.com/office/drawing/2010/main">
+                <a:solidFill>
+                  <a:schemeClr val="accent1"/>
+                </a:solidFill>
+              </a14:hiddenFill>
+            </a:ext>
+            <a:ext uri="{91240B29-F687-4F45-9708-019B960494DF}">
+              <a14:hiddenLine xmlns:a14="http://schemas.microsoft.com/office/drawing/2010/main" w="9525">
+                <a:solidFill>
+                  <a:schemeClr val="tx1"/>
+                </a:solidFill>
+                <a:miter lim="800000"/>
+                <a:headEnd/>
+                <a:tailEnd/>
+              </a14:hiddenLine>
+            </a:ext>
+            <a:ext uri="{AF507438-7753-43E0-B8FC-AC1667EBCBE1}">
+              <a14:hiddenEffects xmlns:a14="http://schemas.microsoft.com/office/drawing/2010/main">
+                <a:effectLst>
+                  <a:outerShdw dist="35921" dir="2700000" algn="ctr" rotWithShape="0">
+                    <a:schemeClr val="bg2"/>
+                  </a:outerShdw>
+                </a:effectLst>
+              </a14:hiddenEffects>
+            </a:ext>
+          </a:extLst>
+        </p:spPr>
+      </p:pic>
+    </p:spTree>
+    <p:extLst>
+      <p:ext uri="{BB962C8B-B14F-4D97-AF65-F5344CB8AC3E}">
+        <p14:creationId xmlns:p14="http://schemas.microsoft.com/office/powerpoint/2010/main" val="1058104049"/>
+      </p:ext>
+    </p:extLst>
+  </p:cSld>
+  <p:clrMapOvr>
+    <a:masterClrMapping/>
+  </p:clrMapOvr>
+</p:sld>
+</file>
+
+<file path=ppt/slides/slide12.xml><?xml version="1.0" encoding="utf-8"?>
+<p:sld xmlns:a="http://schemas.openxmlformats.org/drawingml/2006/main" xmlns:r="http://schemas.openxmlformats.org/officeDocument/2006/relationships" xmlns:p="http://schemas.openxmlformats.org/presentationml/2006/main">
+  <p:cSld>
+    <p:spTree>
+      <p:nvGrpSpPr>
+        <p:cNvPr id="1" name=""/>
+        <p:cNvGrpSpPr/>
+        <p:nvPr/>
+      </p:nvGrpSpPr>
+      <p:grpSpPr>
+        <a:xfrm>
+          <a:off x="0" y="0"/>
+          <a:ext cx="0" cy="0"/>
+          <a:chOff x="0" y="0"/>
+          <a:chExt cx="0" cy="0"/>
+        </a:xfrm>
+      </p:grpSpPr>
+      <p:sp>
+        <p:nvSpPr>
+          <p:cNvPr id="2" name="Title 1"/>
+          <p:cNvSpPr>
+            <a:spLocks noGrp="1"/>
+          </p:cNvSpPr>
+          <p:nvPr>
+            <p:ph type="title"/>
+          </p:nvPr>
+        </p:nvSpPr>
+        <p:spPr/>
+        <p:txBody>
+          <a:bodyPr>
+            <a:normAutofit/>
+          </a:bodyPr>
+          <a:lstStyle/>
+          <a:p>
+            <a:r>
+              <a:rPr lang="en-US" smtClean="0"/>
+              <a:t>Instrumentation</a:t>
+            </a:r>
+            <a:endParaRPr lang="en-US"/>
+          </a:p>
+        </p:txBody>
+      </p:sp>
+      <p:sp>
+        <p:nvSpPr>
+          <p:cNvPr id="3" name="Content Placeholder 2"/>
+          <p:cNvSpPr>
+            <a:spLocks noGrp="1"/>
+          </p:cNvSpPr>
+          <p:nvPr>
+            <p:ph idx="1"/>
+          </p:nvPr>
+        </p:nvSpPr>
+        <p:spPr/>
+        <p:txBody>
+          <a:bodyPr/>
+          <a:lstStyle/>
+          <a:p>
+            <a:r>
+              <a:rPr lang="en-US" smtClean="0"/>
+              <a:t>Tập hợp các phương pháp kiểm soát trong hệ thống android.</a:t>
+            </a:r>
+          </a:p>
+          <a:p>
+            <a:r>
+              <a:rPr lang="en-US" smtClean="0"/>
+              <a:t>Một thành chạy trong 1 vòng đời xác định bởi hệ thống.</a:t>
+            </a:r>
+          </a:p>
+          <a:p>
+            <a:r>
+              <a:rPr lang="en-US" smtClean="0"/>
+              <a:t>API Android cho phép gọi các phương thức callback trực tiếp.</a:t>
+            </a:r>
+          </a:p>
+          <a:p>
+            <a:r>
+              <a:rPr lang="en-US" smtClean="0"/>
+              <a:t>Có thể gọi callback trong mã test </a:t>
+            </a:r>
+            <a:r>
+              <a:rPr lang="en-US" smtClean="0">
+                <a:sym typeface="Wingdings" pitchFamily="2" charset="2"/>
+              </a:rPr>
+              <a:t> cho phép chạy qua vòng đời của các thành phần.</a:t>
+            </a:r>
+            <a:endParaRPr lang="en-US"/>
+          </a:p>
+        </p:txBody>
+      </p:sp>
+    </p:spTree>
+    <p:extLst>
+      <p:ext uri="{BB962C8B-B14F-4D97-AF65-F5344CB8AC3E}">
+        <p14:creationId xmlns:p14="http://schemas.microsoft.com/office/powerpoint/2010/main" val="850356054"/>
+      </p:ext>
+    </p:extLst>
+  </p:cSld>
+  <p:clrMapOvr>
+    <a:masterClrMapping/>
+  </p:clrMapOvr>
+</p:sld>
+</file>
+
+<file path=ppt/slides/slide13.xml><?xml version="1.0" encoding="utf-8"?>
+<p:sld xmlns:a="http://schemas.openxmlformats.org/drawingml/2006/main" xmlns:r="http://schemas.openxmlformats.org/officeDocument/2006/relationships" xmlns:p="http://schemas.openxmlformats.org/presentationml/2006/main">
+  <p:cSld>
+    <p:spTree>
+      <p:nvGrpSpPr>
+        <p:cNvPr id="1" name=""/>
+        <p:cNvGrpSpPr/>
+        <p:nvPr/>
+      </p:nvGrpSpPr>
+      <p:grpSpPr>
+        <a:xfrm>
+          <a:off x="0" y="0"/>
+          <a:ext cx="0" cy="0"/>
+          <a:chOff x="0" y="0"/>
+          <a:chExt cx="0" cy="0"/>
+        </a:xfrm>
+      </p:grpSpPr>
+      <p:sp>
+        <p:nvSpPr>
+          <p:cNvPr id="2" name="Title 1"/>
+          <p:cNvSpPr>
+            <a:spLocks noGrp="1"/>
+          </p:cNvSpPr>
+          <p:nvPr>
+            <p:ph type="title"/>
+          </p:nvPr>
+        </p:nvSpPr>
+        <p:spPr/>
+        <p:txBody>
+          <a:bodyPr/>
+          <a:lstStyle/>
+          <a:p>
+            <a:endParaRPr lang="en-US"/>
+          </a:p>
+        </p:txBody>
+      </p:sp>
+      <p:sp>
+        <p:nvSpPr>
+          <p:cNvPr id="3" name="Content Placeholder 2"/>
+          <p:cNvSpPr>
+            <a:spLocks noGrp="1"/>
+          </p:cNvSpPr>
+          <p:nvPr>
+            <p:ph idx="1"/>
+          </p:nvPr>
+        </p:nvSpPr>
+        <p:spPr/>
+        <p:txBody>
+          <a:bodyPr/>
+          <a:lstStyle/>
+          <a:p>
+            <a:endParaRPr lang="en-US"/>
+          </a:p>
+        </p:txBody>
+      </p:sp>
+      <p:pic>
+        <p:nvPicPr>
+          <p:cNvPr id="8194" name="Picture 2"/>
+          <p:cNvPicPr>
+            <a:picLocks noChangeAspect="1" noChangeArrowheads="1"/>
+          </p:cNvPicPr>
+          <p:nvPr/>
+        </p:nvPicPr>
+        <p:blipFill>
+          <a:blip r:embed="rId2">
+            <a:extLst>
+              <a:ext uri="{28A0092B-C50C-407E-A947-70E740481C1C}">
+                <a14:useLocalDpi xmlns:a14="http://schemas.microsoft.com/office/drawing/2010/main" val="0"/>
+              </a:ext>
+            </a:extLst>
+          </a:blip>
+          <a:srcRect/>
+          <a:stretch>
+            <a:fillRect/>
+          </a:stretch>
+        </p:blipFill>
+        <p:spPr bwMode="auto">
+          <a:xfrm>
+            <a:off x="314325" y="561975"/>
+            <a:ext cx="8515350" cy="5734050"/>
+          </a:xfrm>
+          <a:prstGeom prst="rect">
+            <a:avLst/>
+          </a:prstGeom>
+          <a:noFill/>
+          <a:ln>
+            <a:noFill/>
+          </a:ln>
+          <a:effectLst/>
+          <a:extLst>
+            <a:ext uri="{909E8E84-426E-40DD-AFC4-6F175D3DCCD1}">
+              <a14:hiddenFill xmlns:a14="http://schemas.microsoft.com/office/drawing/2010/main">
+                <a:solidFill>
+                  <a:schemeClr val="accent1"/>
+                </a:solidFill>
+              </a14:hiddenFill>
+            </a:ext>
+            <a:ext uri="{91240B29-F687-4F45-9708-019B960494DF}">
+              <a14:hiddenLine xmlns:a14="http://schemas.microsoft.com/office/drawing/2010/main" w="9525">
+                <a:solidFill>
+                  <a:schemeClr val="tx1"/>
+                </a:solidFill>
+                <a:miter lim="800000"/>
+                <a:headEnd/>
+                <a:tailEnd/>
+              </a14:hiddenLine>
+            </a:ext>
+            <a:ext uri="{AF507438-7753-43E0-B8FC-AC1667EBCBE1}">
+              <a14:hiddenEffects xmlns:a14="http://schemas.microsoft.com/office/drawing/2010/main">
+                <a:effectLst>
+                  <a:outerShdw dist="35921" dir="2700000" algn="ctr" rotWithShape="0">
+                    <a:schemeClr val="bg2"/>
+                  </a:outerShdw>
+                </a:effectLst>
+              </a14:hiddenEffects>
+            </a:ext>
+          </a:extLst>
+        </p:spPr>
+      </p:pic>
+    </p:spTree>
+    <p:extLst>
+      <p:ext uri="{BB962C8B-B14F-4D97-AF65-F5344CB8AC3E}">
+        <p14:creationId xmlns:p14="http://schemas.microsoft.com/office/powerpoint/2010/main" val="3478813899"/>
+      </p:ext>
+    </p:extLst>
+  </p:cSld>
+  <p:clrMapOvr>
+    <a:masterClrMapping/>
+  </p:clrMapOvr>
+</p:sld>
+</file>
+
+<file path=ppt/slides/slide14.xml><?xml version="1.0" encoding="utf-8"?>
+<p:sld xmlns:a="http://schemas.openxmlformats.org/drawingml/2006/main" xmlns:r="http://schemas.openxmlformats.org/officeDocument/2006/relationships" xmlns:p="http://schemas.openxmlformats.org/presentationml/2006/main">
+  <p:cSld>
+    <p:spTree>
+      <p:nvGrpSpPr>
+        <p:cNvPr id="1" name=""/>
+        <p:cNvGrpSpPr/>
+        <p:nvPr/>
+      </p:nvGrpSpPr>
+      <p:grpSpPr>
+        <a:xfrm>
+          <a:off x="0" y="0"/>
+          <a:ext cx="0" cy="0"/>
+          <a:chOff x="0" y="0"/>
+          <a:chExt cx="0" cy="0"/>
+        </a:xfrm>
+      </p:grpSpPr>
+      <p:sp>
+        <p:nvSpPr>
+          <p:cNvPr id="2" name="Title 1"/>
+          <p:cNvSpPr>
+            <a:spLocks noGrp="1"/>
+          </p:cNvSpPr>
+          <p:nvPr>
+            <p:ph type="title"/>
+          </p:nvPr>
+        </p:nvSpPr>
+        <p:spPr/>
+        <p:txBody>
+          <a:bodyPr/>
+          <a:lstStyle/>
+          <a:p>
+            <a:r>
+              <a:rPr lang="en-US" smtClean="0"/>
+              <a:t>Thành phần</a:t>
+            </a:r>
+            <a:endParaRPr lang="en-US"/>
+          </a:p>
+        </p:txBody>
+      </p:sp>
+      <p:sp>
+        <p:nvSpPr>
+          <p:cNvPr id="3" name="Content Placeholder 2"/>
+          <p:cNvSpPr>
+            <a:spLocks noGrp="1"/>
+          </p:cNvSpPr>
+          <p:nvPr>
+            <p:ph idx="1"/>
+          </p:nvPr>
+        </p:nvSpPr>
+        <p:spPr/>
+        <p:txBody>
+          <a:bodyPr/>
+          <a:lstStyle/>
+          <a:p>
+            <a:r>
+              <a:rPr lang="en-US" smtClean="0"/>
+              <a:t>ApplicationTestCase</a:t>
+            </a:r>
+          </a:p>
+          <a:p>
+            <a:pPr lvl="1"/>
+            <a:r>
+              <a:rPr lang="en-US" smtClean="0"/>
+              <a:t>Kiểm tra cá setting ban đầu, global state của ứng dụng.</a:t>
+            </a:r>
+            <a:endParaRPr lang="en-US"/>
+          </a:p>
+          <a:p>
+            <a:r>
+              <a:rPr lang="en-US" smtClean="0"/>
+              <a:t>Activity Testing</a:t>
+            </a:r>
+          </a:p>
+          <a:p>
+            <a:r>
+              <a:rPr lang="en-US" smtClean="0"/>
+              <a:t>Content Provider Testing</a:t>
+            </a:r>
+          </a:p>
+          <a:p>
+            <a:r>
+              <a:rPr lang="en-US" smtClean="0"/>
+              <a:t>Service Testing</a:t>
+            </a:r>
+            <a:endParaRPr lang="en-US"/>
+          </a:p>
+        </p:txBody>
+      </p:sp>
+    </p:spTree>
+    <p:extLst>
+      <p:ext uri="{BB962C8B-B14F-4D97-AF65-F5344CB8AC3E}">
+        <p14:creationId xmlns:p14="http://schemas.microsoft.com/office/powerpoint/2010/main" val="2349438297"/>
+      </p:ext>
+    </p:extLst>
+  </p:cSld>
+  <p:clrMapOvr>
+    <a:masterClrMapping/>
+  </p:clrMapOvr>
+</p:sld>
+</file>
+
+<file path=ppt/slides/slide15.xml><?xml version="1.0" encoding="utf-8"?>
+<p:sld xmlns:a="http://schemas.openxmlformats.org/drawingml/2006/main" xmlns:r="http://schemas.openxmlformats.org/officeDocument/2006/relationships" xmlns:p="http://schemas.openxmlformats.org/presentationml/2006/main">
+  <p:cSld>
+    <p:spTree>
+      <p:nvGrpSpPr>
+        <p:cNvPr id="1" name=""/>
+        <p:cNvGrpSpPr/>
+        <p:nvPr/>
+      </p:nvGrpSpPr>
+      <p:grpSpPr>
+        <a:xfrm>
+          <a:off x="0" y="0"/>
+          <a:ext cx="0" cy="0"/>
+          <a:chOff x="0" y="0"/>
+          <a:chExt cx="0" cy="0"/>
+        </a:xfrm>
+      </p:grpSpPr>
+      <p:sp>
+        <p:nvSpPr>
+          <p:cNvPr id="2" name="Title 1"/>
+          <p:cNvSpPr>
+            <a:spLocks noGrp="1"/>
+          </p:cNvSpPr>
+          <p:nvPr>
+            <p:ph type="title"/>
+          </p:nvPr>
+        </p:nvSpPr>
+        <p:spPr/>
+        <p:txBody>
+          <a:bodyPr>
+            <a:normAutofit/>
+          </a:bodyPr>
+          <a:lstStyle/>
+          <a:p>
+            <a:r>
+              <a:rPr lang="en-US" smtClean="0"/>
+              <a:t>MockUp, Stub</a:t>
+            </a:r>
+            <a:endParaRPr lang="en-US"/>
+          </a:p>
+        </p:txBody>
+      </p:sp>
+      <p:sp>
+        <p:nvSpPr>
+          <p:cNvPr id="3" name="Content Placeholder 2"/>
+          <p:cNvSpPr>
+            <a:spLocks noGrp="1"/>
+          </p:cNvSpPr>
+          <p:nvPr>
+            <p:ph idx="1"/>
+          </p:nvPr>
+        </p:nvSpPr>
+        <p:spPr/>
+        <p:txBody>
+          <a:bodyPr/>
+          <a:lstStyle/>
+          <a:p>
+            <a:r>
+              <a:rPr lang="en-US" smtClean="0"/>
+              <a:t>Android cung cấp các lớp tạo ra hệ thống giả đối tượng Context, ContentProvider, ContentResilver, Intent giả</a:t>
+            </a:r>
+          </a:p>
+          <a:p>
+            <a:r>
+              <a:rPr lang="en-US" smtClean="0"/>
+              <a:t>Dùng mocks để cô lập bài kiểm tra từ phần còn lại của hệ thống, thêm điều kiện phụ thuộc vào test.</a:t>
+            </a:r>
+          </a:p>
+          <a:p>
+            <a:r>
+              <a:rPr lang="en-US"/>
+              <a:t> </a:t>
+            </a:r>
+            <a:r>
+              <a:rPr lang="en-US"/>
+              <a:t>android.test</a:t>
+            </a:r>
+            <a:r>
+              <a:rPr lang="en-US"/>
+              <a:t>, </a:t>
+            </a:r>
+            <a:r>
+              <a:rPr lang="en-US" smtClean="0"/>
+              <a:t>android.test.mock</a:t>
+            </a:r>
+          </a:p>
+          <a:p>
+            <a:r>
+              <a:rPr lang="en-US">
+                <a:hlinkClick r:id="rId2"/>
+              </a:rPr>
+              <a:t>MockApplication</a:t>
+            </a:r>
+            <a:r>
+              <a:rPr lang="en-US"/>
+              <a:t>, </a:t>
+            </a:r>
+            <a:r>
+              <a:rPr lang="en-US">
+                <a:hlinkClick r:id="rId3"/>
+              </a:rPr>
+              <a:t>MockContext</a:t>
+            </a:r>
+            <a:r>
+              <a:rPr lang="en-US"/>
+              <a:t>, </a:t>
+            </a:r>
+            <a:r>
+              <a:rPr lang="en-US">
+                <a:hlinkClick r:id="rId4"/>
+              </a:rPr>
+              <a:t>MockContentProvider</a:t>
+            </a:r>
+            <a:r>
+              <a:rPr lang="en-US"/>
+              <a:t>, </a:t>
+            </a:r>
+            <a:r>
+              <a:rPr lang="en-US">
+                <a:hlinkClick r:id="rId5"/>
+              </a:rPr>
+              <a:t>MockCursor</a:t>
+            </a:r>
+            <a:r>
+              <a:rPr lang="en-US"/>
+              <a:t>, </a:t>
+            </a:r>
+            <a:r>
+              <a:rPr lang="en-US">
+                <a:hlinkClick r:id="rId6"/>
+              </a:rPr>
+              <a:t>MockDialogInterface</a:t>
+            </a:r>
+            <a:r>
+              <a:rPr lang="en-US"/>
+              <a:t>,</a:t>
+            </a:r>
+            <a:r>
+              <a:rPr lang="en-US">
+                <a:hlinkClick r:id="rId7"/>
+              </a:rPr>
+              <a:t>MockPackageManager</a:t>
+            </a:r>
+            <a:r>
+              <a:rPr lang="en-US" smtClean="0"/>
+              <a:t>,</a:t>
+            </a:r>
+            <a:r>
+              <a:rPr lang="en-US"/>
+              <a:t> </a:t>
+            </a:r>
+            <a:r>
+              <a:rPr lang="en-US">
+                <a:hlinkClick r:id="rId8"/>
+              </a:rPr>
+              <a:t>MockResources</a:t>
+            </a:r>
+            <a:endParaRPr lang="en-US"/>
+          </a:p>
+        </p:txBody>
+      </p:sp>
+    </p:spTree>
+    <p:extLst>
+      <p:ext uri="{BB962C8B-B14F-4D97-AF65-F5344CB8AC3E}">
+        <p14:creationId xmlns:p14="http://schemas.microsoft.com/office/powerpoint/2010/main" val="2823344975"/>
+      </p:ext>
+    </p:extLst>
+  </p:cSld>
+  <p:clrMapOvr>
+    <a:masterClrMapping/>
+  </p:clrMapOvr>
+</p:sld>
+</file>
+
+<file path=ppt/slides/slide16.xml><?xml version="1.0" encoding="utf-8"?>
+<p:sld xmlns:a="http://schemas.openxmlformats.org/drawingml/2006/main" xmlns:r="http://schemas.openxmlformats.org/officeDocument/2006/relationships" xmlns:p="http://schemas.openxmlformats.org/presentationml/2006/main">
+  <p:cSld>
+    <p:spTree>
+      <p:nvGrpSpPr>
+        <p:cNvPr id="1" name=""/>
+        <p:cNvGrpSpPr/>
+        <p:nvPr/>
+      </p:nvGrpSpPr>
+      <p:grpSpPr>
+        <a:xfrm>
+          <a:off x="0" y="0"/>
+          <a:ext cx="0" cy="0"/>
+          <a:chOff x="0" y="0"/>
+          <a:chExt cx="0" cy="0"/>
+        </a:xfrm>
+      </p:grpSpPr>
+      <p:sp>
+        <p:nvSpPr>
+          <p:cNvPr id="2" name="Title 1"/>
+          <p:cNvSpPr>
+            <a:spLocks noGrp="1"/>
+          </p:cNvSpPr>
+          <p:nvPr>
+            <p:ph type="title"/>
+          </p:nvPr>
+        </p:nvSpPr>
+        <p:spPr/>
+        <p:txBody>
+          <a:bodyPr>
+            <a:normAutofit/>
+          </a:bodyPr>
+          <a:lstStyle/>
+          <a:p>
+            <a:r>
+              <a:rPr lang="en-US"/>
+              <a:t>monkey </a:t>
+            </a:r>
+            <a:r>
+              <a:rPr lang="en-US"/>
+              <a:t>and </a:t>
+            </a:r>
+            <a:r>
+              <a:rPr lang="en-US" smtClean="0"/>
+              <a:t>monkeyrunner</a:t>
+            </a:r>
+            <a:endParaRPr lang="en-US"/>
+          </a:p>
+        </p:txBody>
+      </p:sp>
+      <p:sp>
+        <p:nvSpPr>
+          <p:cNvPr id="3" name="Content Placeholder 2"/>
+          <p:cNvSpPr>
+            <a:spLocks noGrp="1"/>
+          </p:cNvSpPr>
+          <p:nvPr>
+            <p:ph idx="1"/>
+          </p:nvPr>
+        </p:nvSpPr>
+        <p:spPr/>
+        <p:txBody>
+          <a:bodyPr/>
+          <a:lstStyle/>
+          <a:p>
+            <a:r>
+              <a:rPr lang="en-US" smtClean="0"/>
+              <a:t>SDK cung cấp hai tool để test ứng dụng.</a:t>
+            </a:r>
+          </a:p>
+          <a:p>
+            <a:pPr lvl="1"/>
+            <a:r>
+              <a:rPr lang="en-US"/>
+              <a:t>The UI/Application </a:t>
+            </a:r>
+            <a:r>
+              <a:rPr lang="en-US"/>
+              <a:t>Exerciser </a:t>
+            </a:r>
+            <a:r>
+              <a:rPr lang="en-US" smtClean="0"/>
+              <a:t>Monkey</a:t>
+            </a:r>
+          </a:p>
+          <a:p>
+            <a:pPr lvl="2"/>
+            <a:r>
+              <a:rPr lang="en-US" smtClean="0"/>
+              <a:t>Công cụ dòng lệnh, gửi ngẫu nhiên các tổ hợp phím, hành động của 1 device.</a:t>
+            </a:r>
+          </a:p>
+          <a:p>
+            <a:pPr lvl="1"/>
+            <a:r>
+              <a:rPr lang="en-US"/>
+              <a:t>The </a:t>
+            </a:r>
+            <a:r>
+              <a:rPr lang="en-US"/>
+              <a:t>monkeyrunner </a:t>
+            </a:r>
+            <a:r>
+              <a:rPr lang="en-US" smtClean="0"/>
+              <a:t>tool</a:t>
+            </a:r>
+          </a:p>
+          <a:p>
+            <a:pPr lvl="2"/>
+            <a:r>
+              <a:rPr lang="en-US" smtClean="0"/>
+              <a:t>Là Api, Kiểm thử bằng python. Api cung cấp chức năng kết nối đến device. Chụp ảnh màn hình, chạy 1 test một ứng dụng.</a:t>
+            </a:r>
+            <a:endParaRPr lang="en-US"/>
+          </a:p>
+          <a:p>
+            <a:endParaRPr lang="en-US"/>
+          </a:p>
+        </p:txBody>
+      </p:sp>
+    </p:spTree>
+    <p:extLst>
+      <p:ext uri="{BB962C8B-B14F-4D97-AF65-F5344CB8AC3E}">
+        <p14:creationId xmlns:p14="http://schemas.microsoft.com/office/powerpoint/2010/main" val="4033431885"/>
       </p:ext>
     </p:extLst>
   </p:cSld>

--- a/test-junit/junit.pptx
+++ b/test-junit/junit.pptx
@@ -4,6 +4,9 @@
   <p:sldMasterIdLst>
     <p:sldMasterId id="2147483720" r:id="rId1"/>
   </p:sldMasterIdLst>
+  <p:notesMasterIdLst>
+    <p:notesMasterId r:id="rId22"/>
+  </p:notesMasterIdLst>
   <p:sldIdLst>
     <p:sldId id="256" r:id="rId2"/>
     <p:sldId id="257" r:id="rId3"/>
@@ -21,6 +24,10 @@
     <p:sldId id="269" r:id="rId15"/>
     <p:sldId id="270" r:id="rId16"/>
     <p:sldId id="271" r:id="rId17"/>
+    <p:sldId id="272" r:id="rId18"/>
+    <p:sldId id="273" r:id="rId19"/>
+    <p:sldId id="274" r:id="rId20"/>
+    <p:sldId id="275" r:id="rId21"/>
   </p:sldIdLst>
   <p:sldSz cx="9144000" cy="6858000" type="screen4x3"/>
   <p:notesSz cx="6858000" cy="9144000"/>
@@ -120,6 +127,524 @@
     </a:lvl9pPr>
   </p:defaultTextStyle>
 </p:presentation>
+</file>
+
+<file path=ppt/notesMasters/notesMaster1.xml><?xml version="1.0" encoding="utf-8"?>
+<p:notesMaster xmlns:a="http://schemas.openxmlformats.org/drawingml/2006/main" xmlns:r="http://schemas.openxmlformats.org/officeDocument/2006/relationships" xmlns:p="http://schemas.openxmlformats.org/presentationml/2006/main">
+  <p:cSld>
+    <p:bg>
+      <p:bgRef idx="1001">
+        <a:schemeClr val="bg1"/>
+      </p:bgRef>
+    </p:bg>
+    <p:spTree>
+      <p:nvGrpSpPr>
+        <p:cNvPr id="1" name=""/>
+        <p:cNvGrpSpPr/>
+        <p:nvPr/>
+      </p:nvGrpSpPr>
+      <p:grpSpPr>
+        <a:xfrm>
+          <a:off x="0" y="0"/>
+          <a:ext cx="0" cy="0"/>
+          <a:chOff x="0" y="0"/>
+          <a:chExt cx="0" cy="0"/>
+        </a:xfrm>
+      </p:grpSpPr>
+      <p:sp>
+        <p:nvSpPr>
+          <p:cNvPr id="2" name="Header Placeholder 1"/>
+          <p:cNvSpPr>
+            <a:spLocks noGrp="1"/>
+          </p:cNvSpPr>
+          <p:nvPr>
+            <p:ph type="hdr" sz="quarter"/>
+          </p:nvPr>
+        </p:nvSpPr>
+        <p:spPr>
+          <a:xfrm>
+            <a:off x="0" y="0"/>
+            <a:ext cx="2971800" cy="457200"/>
+          </a:xfrm>
+          <a:prstGeom prst="rect">
+            <a:avLst/>
+          </a:prstGeom>
+        </p:spPr>
+        <p:txBody>
+          <a:bodyPr vert="horz" lIns="91440" tIns="45720" rIns="91440" bIns="45720" rtlCol="0"/>
+          <a:lstStyle>
+            <a:lvl1pPr algn="l">
+              <a:defRPr sz="1200"/>
+            </a:lvl1pPr>
+          </a:lstStyle>
+          <a:p>
+            <a:endParaRPr lang="en-US"/>
+          </a:p>
+        </p:txBody>
+      </p:sp>
+      <p:sp>
+        <p:nvSpPr>
+          <p:cNvPr id="3" name="Date Placeholder 2"/>
+          <p:cNvSpPr>
+            <a:spLocks noGrp="1"/>
+          </p:cNvSpPr>
+          <p:nvPr>
+            <p:ph type="dt" idx="1"/>
+          </p:nvPr>
+        </p:nvSpPr>
+        <p:spPr>
+          <a:xfrm>
+            <a:off x="3884613" y="0"/>
+            <a:ext cx="2971800" cy="457200"/>
+          </a:xfrm>
+          <a:prstGeom prst="rect">
+            <a:avLst/>
+          </a:prstGeom>
+        </p:spPr>
+        <p:txBody>
+          <a:bodyPr vert="horz" lIns="91440" tIns="45720" rIns="91440" bIns="45720" rtlCol="0"/>
+          <a:lstStyle>
+            <a:lvl1pPr algn="r">
+              <a:defRPr sz="1200"/>
+            </a:lvl1pPr>
+          </a:lstStyle>
+          <a:p>
+            <a:fld id="{C809FD83-B6F7-4C5B-AB82-C057FDF1A512}" type="datetimeFigureOut">
+              <a:rPr lang="en-US" smtClean="0"/>
+              <a:t>9/16/2015</a:t>
+            </a:fld>
+            <a:endParaRPr lang="en-US"/>
+          </a:p>
+        </p:txBody>
+      </p:sp>
+      <p:sp>
+        <p:nvSpPr>
+          <p:cNvPr id="4" name="Slide Image Placeholder 3"/>
+          <p:cNvSpPr>
+            <a:spLocks noGrp="1" noRot="1" noChangeAspect="1"/>
+          </p:cNvSpPr>
+          <p:nvPr>
+            <p:ph type="sldImg" idx="2"/>
+          </p:nvPr>
+        </p:nvSpPr>
+        <p:spPr>
+          <a:xfrm>
+            <a:off x="1143000" y="685800"/>
+            <a:ext cx="4572000" cy="3429000"/>
+          </a:xfrm>
+          <a:prstGeom prst="rect">
+            <a:avLst/>
+          </a:prstGeom>
+          <a:noFill/>
+          <a:ln w="12700">
+            <a:solidFill>
+              <a:prstClr val="black"/>
+            </a:solidFill>
+          </a:ln>
+        </p:spPr>
+        <p:txBody>
+          <a:bodyPr vert="horz" lIns="91440" tIns="45720" rIns="91440" bIns="45720" rtlCol="0" anchor="ctr"/>
+          <a:lstStyle/>
+          <a:p>
+            <a:endParaRPr lang="en-US"/>
+          </a:p>
+        </p:txBody>
+      </p:sp>
+      <p:sp>
+        <p:nvSpPr>
+          <p:cNvPr id="5" name="Notes Placeholder 4"/>
+          <p:cNvSpPr>
+            <a:spLocks noGrp="1"/>
+          </p:cNvSpPr>
+          <p:nvPr>
+            <p:ph type="body" sz="quarter" idx="3"/>
+          </p:nvPr>
+        </p:nvSpPr>
+        <p:spPr>
+          <a:xfrm>
+            <a:off x="685800" y="4343400"/>
+            <a:ext cx="5486400" cy="4114800"/>
+          </a:xfrm>
+          <a:prstGeom prst="rect">
+            <a:avLst/>
+          </a:prstGeom>
+        </p:spPr>
+        <p:txBody>
+          <a:bodyPr vert="horz" lIns="91440" tIns="45720" rIns="91440" bIns="45720" rtlCol="0"/>
+          <a:lstStyle/>
+          <a:p>
+            <a:pPr lvl="0"/>
+            <a:r>
+              <a:rPr lang="en-US" smtClean="0"/>
+              <a:t>Click to edit Master text styles</a:t>
+            </a:r>
+          </a:p>
+          <a:p>
+            <a:pPr lvl="1"/>
+            <a:r>
+              <a:rPr lang="en-US" smtClean="0"/>
+              <a:t>Second level</a:t>
+            </a:r>
+          </a:p>
+          <a:p>
+            <a:pPr lvl="2"/>
+            <a:r>
+              <a:rPr lang="en-US" smtClean="0"/>
+              <a:t>Third level</a:t>
+            </a:r>
+          </a:p>
+          <a:p>
+            <a:pPr lvl="3"/>
+            <a:r>
+              <a:rPr lang="en-US" smtClean="0"/>
+              <a:t>Fourth level</a:t>
+            </a:r>
+          </a:p>
+          <a:p>
+            <a:pPr lvl="4"/>
+            <a:r>
+              <a:rPr lang="en-US" smtClean="0"/>
+              <a:t>Fifth level</a:t>
+            </a:r>
+            <a:endParaRPr lang="en-US"/>
+          </a:p>
+        </p:txBody>
+      </p:sp>
+      <p:sp>
+        <p:nvSpPr>
+          <p:cNvPr id="6" name="Footer Placeholder 5"/>
+          <p:cNvSpPr>
+            <a:spLocks noGrp="1"/>
+          </p:cNvSpPr>
+          <p:nvPr>
+            <p:ph type="ftr" sz="quarter" idx="4"/>
+          </p:nvPr>
+        </p:nvSpPr>
+        <p:spPr>
+          <a:xfrm>
+            <a:off x="0" y="8685213"/>
+            <a:ext cx="2971800" cy="457200"/>
+          </a:xfrm>
+          <a:prstGeom prst="rect">
+            <a:avLst/>
+          </a:prstGeom>
+        </p:spPr>
+        <p:txBody>
+          <a:bodyPr vert="horz" lIns="91440" tIns="45720" rIns="91440" bIns="45720" rtlCol="0" anchor="b"/>
+          <a:lstStyle>
+            <a:lvl1pPr algn="l">
+              <a:defRPr sz="1200"/>
+            </a:lvl1pPr>
+          </a:lstStyle>
+          <a:p>
+            <a:endParaRPr lang="en-US"/>
+          </a:p>
+        </p:txBody>
+      </p:sp>
+      <p:sp>
+        <p:nvSpPr>
+          <p:cNvPr id="7" name="Slide Number Placeholder 6"/>
+          <p:cNvSpPr>
+            <a:spLocks noGrp="1"/>
+          </p:cNvSpPr>
+          <p:nvPr>
+            <p:ph type="sldNum" sz="quarter" idx="5"/>
+          </p:nvPr>
+        </p:nvSpPr>
+        <p:spPr>
+          <a:xfrm>
+            <a:off x="3884613" y="8685213"/>
+            <a:ext cx="2971800" cy="457200"/>
+          </a:xfrm>
+          <a:prstGeom prst="rect">
+            <a:avLst/>
+          </a:prstGeom>
+        </p:spPr>
+        <p:txBody>
+          <a:bodyPr vert="horz" lIns="91440" tIns="45720" rIns="91440" bIns="45720" rtlCol="0" anchor="b"/>
+          <a:lstStyle>
+            <a:lvl1pPr algn="r">
+              <a:defRPr sz="1200"/>
+            </a:lvl1pPr>
+          </a:lstStyle>
+          <a:p>
+            <a:fld id="{1BFE7227-5B7F-4EFE-B49D-F64BCEB73FB7}" type="slidenum">
+              <a:rPr lang="en-US" smtClean="0"/>
+              <a:t>‹#›</a:t>
+            </a:fld>
+            <a:endParaRPr lang="en-US"/>
+          </a:p>
+        </p:txBody>
+      </p:sp>
+    </p:spTree>
+    <p:extLst>
+      <p:ext uri="{BB962C8B-B14F-4D97-AF65-F5344CB8AC3E}">
+        <p14:creationId xmlns:p14="http://schemas.microsoft.com/office/powerpoint/2010/main" val="2937109923"/>
+      </p:ext>
+    </p:extLst>
+  </p:cSld>
+  <p:clrMap bg1="lt1" tx1="dk1" bg2="lt2" tx2="dk2" accent1="accent1" accent2="accent2" accent3="accent3" accent4="accent4" accent5="accent5" accent6="accent6" hlink="hlink" folHlink="folHlink"/>
+  <p:notesStyle>
+    <a:lvl1pPr marL="0" algn="l" defTabSz="914400" rtl="0" eaLnBrk="1" latinLnBrk="0" hangingPunct="1">
+      <a:defRPr sz="1200" kern="1200">
+        <a:solidFill>
+          <a:schemeClr val="tx1"/>
+        </a:solidFill>
+        <a:latin typeface="+mn-lt"/>
+        <a:ea typeface="+mn-ea"/>
+        <a:cs typeface="+mn-cs"/>
+      </a:defRPr>
+    </a:lvl1pPr>
+    <a:lvl2pPr marL="457200" algn="l" defTabSz="914400" rtl="0" eaLnBrk="1" latinLnBrk="0" hangingPunct="1">
+      <a:defRPr sz="1200" kern="1200">
+        <a:solidFill>
+          <a:schemeClr val="tx1"/>
+        </a:solidFill>
+        <a:latin typeface="+mn-lt"/>
+        <a:ea typeface="+mn-ea"/>
+        <a:cs typeface="+mn-cs"/>
+      </a:defRPr>
+    </a:lvl2pPr>
+    <a:lvl3pPr marL="914400" algn="l" defTabSz="914400" rtl="0" eaLnBrk="1" latinLnBrk="0" hangingPunct="1">
+      <a:defRPr sz="1200" kern="1200">
+        <a:solidFill>
+          <a:schemeClr val="tx1"/>
+        </a:solidFill>
+        <a:latin typeface="+mn-lt"/>
+        <a:ea typeface="+mn-ea"/>
+        <a:cs typeface="+mn-cs"/>
+      </a:defRPr>
+    </a:lvl3pPr>
+    <a:lvl4pPr marL="1371600" algn="l" defTabSz="914400" rtl="0" eaLnBrk="1" latinLnBrk="0" hangingPunct="1">
+      <a:defRPr sz="1200" kern="1200">
+        <a:solidFill>
+          <a:schemeClr val="tx1"/>
+        </a:solidFill>
+        <a:latin typeface="+mn-lt"/>
+        <a:ea typeface="+mn-ea"/>
+        <a:cs typeface="+mn-cs"/>
+      </a:defRPr>
+    </a:lvl4pPr>
+    <a:lvl5pPr marL="1828800" algn="l" defTabSz="914400" rtl="0" eaLnBrk="1" latinLnBrk="0" hangingPunct="1">
+      <a:defRPr sz="1200" kern="1200">
+        <a:solidFill>
+          <a:schemeClr val="tx1"/>
+        </a:solidFill>
+        <a:latin typeface="+mn-lt"/>
+        <a:ea typeface="+mn-ea"/>
+        <a:cs typeface="+mn-cs"/>
+      </a:defRPr>
+    </a:lvl5pPr>
+    <a:lvl6pPr marL="2286000" algn="l" defTabSz="914400" rtl="0" eaLnBrk="1" latinLnBrk="0" hangingPunct="1">
+      <a:defRPr sz="1200" kern="1200">
+        <a:solidFill>
+          <a:schemeClr val="tx1"/>
+        </a:solidFill>
+        <a:latin typeface="+mn-lt"/>
+        <a:ea typeface="+mn-ea"/>
+        <a:cs typeface="+mn-cs"/>
+      </a:defRPr>
+    </a:lvl6pPr>
+    <a:lvl7pPr marL="2743200" algn="l" defTabSz="914400" rtl="0" eaLnBrk="1" latinLnBrk="0" hangingPunct="1">
+      <a:defRPr sz="1200" kern="1200">
+        <a:solidFill>
+          <a:schemeClr val="tx1"/>
+        </a:solidFill>
+        <a:latin typeface="+mn-lt"/>
+        <a:ea typeface="+mn-ea"/>
+        <a:cs typeface="+mn-cs"/>
+      </a:defRPr>
+    </a:lvl7pPr>
+    <a:lvl8pPr marL="3200400" algn="l" defTabSz="914400" rtl="0" eaLnBrk="1" latinLnBrk="0" hangingPunct="1">
+      <a:defRPr sz="1200" kern="1200">
+        <a:solidFill>
+          <a:schemeClr val="tx1"/>
+        </a:solidFill>
+        <a:latin typeface="+mn-lt"/>
+        <a:ea typeface="+mn-ea"/>
+        <a:cs typeface="+mn-cs"/>
+      </a:defRPr>
+    </a:lvl8pPr>
+    <a:lvl9pPr marL="3657600" algn="l" defTabSz="914400" rtl="0" eaLnBrk="1" latinLnBrk="0" hangingPunct="1">
+      <a:defRPr sz="1200" kern="1200">
+        <a:solidFill>
+          <a:schemeClr val="tx1"/>
+        </a:solidFill>
+        <a:latin typeface="+mn-lt"/>
+        <a:ea typeface="+mn-ea"/>
+        <a:cs typeface="+mn-cs"/>
+      </a:defRPr>
+    </a:lvl9pPr>
+  </p:notesStyle>
+</p:notesMaster>
+</file>
+
+<file path=ppt/notesSlides/notesSlide1.xml><?xml version="1.0" encoding="utf-8"?>
+<p:notes xmlns:a="http://schemas.openxmlformats.org/drawingml/2006/main" xmlns:r="http://schemas.openxmlformats.org/officeDocument/2006/relationships" xmlns:p="http://schemas.openxmlformats.org/presentationml/2006/main">
+  <p:cSld>
+    <p:spTree>
+      <p:nvGrpSpPr>
+        <p:cNvPr id="1" name=""/>
+        <p:cNvGrpSpPr/>
+        <p:nvPr/>
+      </p:nvGrpSpPr>
+      <p:grpSpPr>
+        <a:xfrm>
+          <a:off x="0" y="0"/>
+          <a:ext cx="0" cy="0"/>
+          <a:chOff x="0" y="0"/>
+          <a:chExt cx="0" cy="0"/>
+        </a:xfrm>
+      </p:grpSpPr>
+      <p:sp>
+        <p:nvSpPr>
+          <p:cNvPr id="2" name="Slide Image Placeholder 1"/>
+          <p:cNvSpPr>
+            <a:spLocks noGrp="1" noRot="1" noChangeAspect="1"/>
+          </p:cNvSpPr>
+          <p:nvPr>
+            <p:ph type="sldImg"/>
+          </p:nvPr>
+        </p:nvSpPr>
+        <p:spPr/>
+      </p:sp>
+      <p:sp>
+        <p:nvSpPr>
+          <p:cNvPr id="3" name="Notes Placeholder 2"/>
+          <p:cNvSpPr>
+            <a:spLocks noGrp="1"/>
+          </p:cNvSpPr>
+          <p:nvPr>
+            <p:ph type="body" idx="1"/>
+          </p:nvPr>
+        </p:nvSpPr>
+        <p:spPr/>
+        <p:txBody>
+          <a:bodyPr/>
+          <a:lstStyle/>
+          <a:p>
+            <a:endParaRPr lang="en-US"/>
+          </a:p>
+        </p:txBody>
+      </p:sp>
+      <p:sp>
+        <p:nvSpPr>
+          <p:cNvPr id="4" name="Slide Number Placeholder 3"/>
+          <p:cNvSpPr>
+            <a:spLocks noGrp="1"/>
+          </p:cNvSpPr>
+          <p:nvPr>
+            <p:ph type="sldNum" sz="quarter" idx="10"/>
+          </p:nvPr>
+        </p:nvSpPr>
+        <p:spPr/>
+        <p:txBody>
+          <a:bodyPr/>
+          <a:lstStyle/>
+          <a:p>
+            <a:fld id="{1BFE7227-5B7F-4EFE-B49D-F64BCEB73FB7}" type="slidenum">
+              <a:rPr lang="en-US" smtClean="0"/>
+              <a:t>18</a:t>
+            </a:fld>
+            <a:endParaRPr lang="en-US"/>
+          </a:p>
+        </p:txBody>
+      </p:sp>
+    </p:spTree>
+    <p:extLst>
+      <p:ext uri="{BB962C8B-B14F-4D97-AF65-F5344CB8AC3E}">
+        <p14:creationId xmlns:p14="http://schemas.microsoft.com/office/powerpoint/2010/main" val="533847623"/>
+      </p:ext>
+    </p:extLst>
+  </p:cSld>
+  <p:clrMapOvr>
+    <a:masterClrMapping/>
+  </p:clrMapOvr>
+</p:notes>
+</file>
+
+<file path=ppt/notesSlides/notesSlide2.xml><?xml version="1.0" encoding="utf-8"?>
+<p:notes xmlns:a="http://schemas.openxmlformats.org/drawingml/2006/main" xmlns:r="http://schemas.openxmlformats.org/officeDocument/2006/relationships" xmlns:p="http://schemas.openxmlformats.org/presentationml/2006/main">
+  <p:cSld>
+    <p:spTree>
+      <p:nvGrpSpPr>
+        <p:cNvPr id="1" name=""/>
+        <p:cNvGrpSpPr/>
+        <p:nvPr/>
+      </p:nvGrpSpPr>
+      <p:grpSpPr>
+        <a:xfrm>
+          <a:off x="0" y="0"/>
+          <a:ext cx="0" cy="0"/>
+          <a:chOff x="0" y="0"/>
+          <a:chExt cx="0" cy="0"/>
+        </a:xfrm>
+      </p:grpSpPr>
+      <p:sp>
+        <p:nvSpPr>
+          <p:cNvPr id="2" name="Slide Image Placeholder 1"/>
+          <p:cNvSpPr>
+            <a:spLocks noGrp="1" noRot="1" noChangeAspect="1"/>
+          </p:cNvSpPr>
+          <p:nvPr>
+            <p:ph type="sldImg"/>
+          </p:nvPr>
+        </p:nvSpPr>
+        <p:spPr/>
+      </p:sp>
+      <p:sp>
+        <p:nvSpPr>
+          <p:cNvPr id="3" name="Notes Placeholder 2"/>
+          <p:cNvSpPr>
+            <a:spLocks noGrp="1"/>
+          </p:cNvSpPr>
+          <p:nvPr>
+            <p:ph type="body" idx="1"/>
+          </p:nvPr>
+        </p:nvSpPr>
+        <p:spPr/>
+        <p:txBody>
+          <a:bodyPr/>
+          <a:lstStyle/>
+          <a:p>
+            <a:endParaRPr lang="en-US"/>
+          </a:p>
+        </p:txBody>
+      </p:sp>
+      <p:sp>
+        <p:nvSpPr>
+          <p:cNvPr id="4" name="Slide Number Placeholder 3"/>
+          <p:cNvSpPr>
+            <a:spLocks noGrp="1"/>
+          </p:cNvSpPr>
+          <p:nvPr>
+            <p:ph type="sldNum" sz="quarter" idx="10"/>
+          </p:nvPr>
+        </p:nvSpPr>
+        <p:spPr/>
+        <p:txBody>
+          <a:bodyPr/>
+          <a:lstStyle/>
+          <a:p>
+            <a:fld id="{1BFE7227-5B7F-4EFE-B49D-F64BCEB73FB7}" type="slidenum">
+              <a:rPr lang="en-US" smtClean="0"/>
+              <a:t>19</a:t>
+            </a:fld>
+            <a:endParaRPr lang="en-US"/>
+          </a:p>
+        </p:txBody>
+      </p:sp>
+    </p:spTree>
+    <p:extLst>
+      <p:ext uri="{BB962C8B-B14F-4D97-AF65-F5344CB8AC3E}">
+        <p14:creationId xmlns:p14="http://schemas.microsoft.com/office/powerpoint/2010/main" val="533847623"/>
+      </p:ext>
+    </p:extLst>
+  </p:cSld>
+  <p:clrMapOvr>
+    <a:masterClrMapping/>
+  </p:clrMapOvr>
+</p:notes>
 </file>
 
 <file path=ppt/slideLayouts/slideLayout1.xml><?xml version="1.0" encoding="utf-8"?>
@@ -5826,6 +6351,476 @@
 </p:sld>
 </file>
 
+<file path=ppt/slides/slide17.xml><?xml version="1.0" encoding="utf-8"?>
+<p:sld xmlns:a="http://schemas.openxmlformats.org/drawingml/2006/main" xmlns:r="http://schemas.openxmlformats.org/officeDocument/2006/relationships" xmlns:p="http://schemas.openxmlformats.org/presentationml/2006/main">
+  <p:cSld>
+    <p:spTree>
+      <p:nvGrpSpPr>
+        <p:cNvPr id="1" name=""/>
+        <p:cNvGrpSpPr/>
+        <p:nvPr/>
+      </p:nvGrpSpPr>
+      <p:grpSpPr>
+        <a:xfrm>
+          <a:off x="0" y="0"/>
+          <a:ext cx="0" cy="0"/>
+          <a:chOff x="0" y="0"/>
+          <a:chExt cx="0" cy="0"/>
+        </a:xfrm>
+      </p:grpSpPr>
+      <p:sp>
+        <p:nvSpPr>
+          <p:cNvPr id="2" name="Title 1"/>
+          <p:cNvSpPr>
+            <a:spLocks noGrp="1"/>
+          </p:cNvSpPr>
+          <p:nvPr>
+            <p:ph type="title"/>
+          </p:nvPr>
+        </p:nvSpPr>
+        <p:spPr>
+          <a:xfrm>
+            <a:off x="5562600" y="408372"/>
+            <a:ext cx="3429000" cy="1039427"/>
+          </a:xfrm>
+        </p:spPr>
+        <p:txBody>
+          <a:bodyPr/>
+          <a:lstStyle/>
+          <a:p>
+            <a:r>
+              <a:rPr lang="en-US"/>
+              <a:t>robotium</a:t>
+            </a:r>
+          </a:p>
+        </p:txBody>
+      </p:sp>
+      <p:sp>
+        <p:nvSpPr>
+          <p:cNvPr id="3" name="Content Placeholder 2"/>
+          <p:cNvSpPr>
+            <a:spLocks noGrp="1"/>
+          </p:cNvSpPr>
+          <p:nvPr>
+            <p:ph idx="1"/>
+          </p:nvPr>
+        </p:nvSpPr>
+        <p:spPr/>
+        <p:txBody>
+          <a:bodyPr/>
+          <a:lstStyle/>
+          <a:p>
+            <a:endParaRPr lang="en-US"/>
+          </a:p>
+        </p:txBody>
+      </p:sp>
+      <p:pic>
+        <p:nvPicPr>
+          <p:cNvPr id="9218" name="Picture 2"/>
+          <p:cNvPicPr>
+            <a:picLocks noChangeAspect="1" noChangeArrowheads="1"/>
+          </p:cNvPicPr>
+          <p:nvPr/>
+        </p:nvPicPr>
+        <p:blipFill>
+          <a:blip r:embed="rId2">
+            <a:extLst>
+              <a:ext uri="{28A0092B-C50C-407E-A947-70E740481C1C}">
+                <a14:useLocalDpi xmlns:a14="http://schemas.microsoft.com/office/drawing/2010/main" val="0"/>
+              </a:ext>
+            </a:extLst>
+          </a:blip>
+          <a:srcRect/>
+          <a:stretch>
+            <a:fillRect/>
+          </a:stretch>
+        </p:blipFill>
+        <p:spPr bwMode="auto">
+          <a:xfrm>
+            <a:off x="-19051" y="0"/>
+            <a:ext cx="5958879" cy="6858000"/>
+          </a:xfrm>
+          <a:prstGeom prst="rect">
+            <a:avLst/>
+          </a:prstGeom>
+          <a:noFill/>
+          <a:ln>
+            <a:noFill/>
+          </a:ln>
+          <a:effectLst/>
+          <a:extLst>
+            <a:ext uri="{909E8E84-426E-40DD-AFC4-6F175D3DCCD1}">
+              <a14:hiddenFill xmlns:a14="http://schemas.microsoft.com/office/drawing/2010/main">
+                <a:solidFill>
+                  <a:schemeClr val="accent1"/>
+                </a:solidFill>
+              </a14:hiddenFill>
+            </a:ext>
+            <a:ext uri="{91240B29-F687-4F45-9708-019B960494DF}">
+              <a14:hiddenLine xmlns:a14="http://schemas.microsoft.com/office/drawing/2010/main" w="9525">
+                <a:solidFill>
+                  <a:schemeClr val="tx1"/>
+                </a:solidFill>
+                <a:miter lim="800000"/>
+                <a:headEnd/>
+                <a:tailEnd/>
+              </a14:hiddenLine>
+            </a:ext>
+            <a:ext uri="{AF507438-7753-43E0-B8FC-AC1667EBCBE1}">
+              <a14:hiddenEffects xmlns:a14="http://schemas.microsoft.com/office/drawing/2010/main">
+                <a:effectLst>
+                  <a:outerShdw dist="35921" dir="2700000" algn="ctr" rotWithShape="0">
+                    <a:schemeClr val="bg2"/>
+                  </a:outerShdw>
+                </a:effectLst>
+              </a14:hiddenEffects>
+            </a:ext>
+          </a:extLst>
+        </p:spPr>
+      </p:pic>
+    </p:spTree>
+    <p:extLst>
+      <p:ext uri="{BB962C8B-B14F-4D97-AF65-F5344CB8AC3E}">
+        <p14:creationId xmlns:p14="http://schemas.microsoft.com/office/powerpoint/2010/main" val="4047810225"/>
+      </p:ext>
+    </p:extLst>
+  </p:cSld>
+  <p:clrMapOvr>
+    <a:masterClrMapping/>
+  </p:clrMapOvr>
+</p:sld>
+</file>
+
+<file path=ppt/slides/slide18.xml><?xml version="1.0" encoding="utf-8"?>
+<p:sld xmlns:a="http://schemas.openxmlformats.org/drawingml/2006/main" xmlns:r="http://schemas.openxmlformats.org/officeDocument/2006/relationships" xmlns:p="http://schemas.openxmlformats.org/presentationml/2006/main">
+  <p:cSld>
+    <p:spTree>
+      <p:nvGrpSpPr>
+        <p:cNvPr id="1" name=""/>
+        <p:cNvGrpSpPr/>
+        <p:nvPr/>
+      </p:nvGrpSpPr>
+      <p:grpSpPr>
+        <a:xfrm>
+          <a:off x="0" y="0"/>
+          <a:ext cx="0" cy="0"/>
+          <a:chOff x="0" y="0"/>
+          <a:chExt cx="0" cy="0"/>
+        </a:xfrm>
+      </p:grpSpPr>
+      <p:sp>
+        <p:nvSpPr>
+          <p:cNvPr id="2" name="Title 1"/>
+          <p:cNvSpPr>
+            <a:spLocks noGrp="1"/>
+          </p:cNvSpPr>
+          <p:nvPr>
+            <p:ph type="title"/>
+          </p:nvPr>
+        </p:nvSpPr>
+        <p:spPr/>
+        <p:txBody>
+          <a:bodyPr/>
+          <a:lstStyle/>
+          <a:p>
+            <a:r>
+              <a:rPr lang="en-US"/>
+              <a:t>robotium</a:t>
+            </a:r>
+          </a:p>
+        </p:txBody>
+      </p:sp>
+      <p:sp>
+        <p:nvSpPr>
+          <p:cNvPr id="3" name="Content Placeholder 2"/>
+          <p:cNvSpPr>
+            <a:spLocks noGrp="1"/>
+          </p:cNvSpPr>
+          <p:nvPr>
+            <p:ph idx="1"/>
+          </p:nvPr>
+        </p:nvSpPr>
+        <p:spPr/>
+        <p:txBody>
+          <a:bodyPr>
+            <a:normAutofit fontScale="70000" lnSpcReduction="20000"/>
+          </a:bodyPr>
+          <a:lstStyle/>
+          <a:p>
+            <a:r>
+              <a:rPr lang="en-US"/>
+              <a:t>// assertCurrentActivity (text,Activity)This method verifies whether the</a:t>
+            </a:r>
+          </a:p>
+          <a:p>
+            <a:r>
+              <a:rPr lang="en-US"/>
+              <a:t>// current activity is the activity which is passed as the send parameter.</a:t>
+            </a:r>
+          </a:p>
+          <a:p>
+            <a:endParaRPr lang="en-US"/>
+          </a:p>
+          <a:p>
+            <a:r>
+              <a:rPr lang="en-US"/>
+              <a:t>// clickOnButton(text) This method will click on the button with the</a:t>
+            </a:r>
+          </a:p>
+          <a:p>
+            <a:r>
+              <a:rPr lang="en-US"/>
+              <a:t>// specified Text. solo.clickOnButton("ADMIN");</a:t>
+            </a:r>
+          </a:p>
+          <a:p>
+            <a:endParaRPr lang="en-US"/>
+          </a:p>
+          <a:p>
+            <a:r>
+              <a:rPr lang="en-US"/>
+              <a:t>// #3. clickOnButton(</a:t>
+            </a:r>
+            <a:r>
+              <a:rPr lang="en-US" u="sng"/>
+              <a:t>int) This method will click on the button with the</a:t>
+            </a:r>
+          </a:p>
+          <a:p>
+            <a:r>
+              <a:rPr lang="en-US"/>
+              <a:t>// specified index. solo.clickOnButton(2);</a:t>
+            </a:r>
+          </a:p>
+          <a:p>
+            <a:endParaRPr lang="en-US"/>
+          </a:p>
+          <a:p>
+            <a:r>
+              <a:rPr lang="en-US"/>
+              <a:t>// waitForText(text) This method will wait until the text appearing on the</a:t>
+            </a:r>
+          </a:p>
+          <a:p>
+            <a:r>
+              <a:rPr lang="en-US"/>
+              <a:t>// activity. solo.waitForText("Creating New Password");</a:t>
+            </a:r>
+          </a:p>
+          <a:p>
+            <a:endParaRPr lang="en-US"/>
+          </a:p>
+          <a:p>
+            <a:r>
+              <a:rPr lang="en-US"/>
+              <a:t>// enterText(</a:t>
+            </a:r>
+            <a:r>
+              <a:rPr lang="en-US" u="sng"/>
+              <a:t>int, text) This method will type the text passed as the second</a:t>
+            </a:r>
+          </a:p>
+          <a:p>
+            <a:r>
+              <a:rPr lang="en-US"/>
+              <a:t>// parameter to the specified index </a:t>
+            </a:r>
+            <a:r>
+              <a:rPr lang="en-US" u="sng"/>
+              <a:t>editbox. solo.enterText(0,"test");</a:t>
+            </a:r>
+          </a:p>
+          <a:p>
+            <a:endParaRPr lang="en-US"/>
+          </a:p>
+        </p:txBody>
+      </p:sp>
+    </p:spTree>
+    <p:extLst>
+      <p:ext uri="{BB962C8B-B14F-4D97-AF65-F5344CB8AC3E}">
+        <p14:creationId xmlns:p14="http://schemas.microsoft.com/office/powerpoint/2010/main" val="632451459"/>
+      </p:ext>
+    </p:extLst>
+  </p:cSld>
+  <p:clrMapOvr>
+    <a:masterClrMapping/>
+  </p:clrMapOvr>
+</p:sld>
+</file>
+
+<file path=ppt/slides/slide19.xml><?xml version="1.0" encoding="utf-8"?>
+<p:sld xmlns:a="http://schemas.openxmlformats.org/drawingml/2006/main" xmlns:r="http://schemas.openxmlformats.org/officeDocument/2006/relationships" xmlns:p="http://schemas.openxmlformats.org/presentationml/2006/main">
+  <p:cSld>
+    <p:spTree>
+      <p:nvGrpSpPr>
+        <p:cNvPr id="1" name=""/>
+        <p:cNvGrpSpPr/>
+        <p:nvPr/>
+      </p:nvGrpSpPr>
+      <p:grpSpPr>
+        <a:xfrm>
+          <a:off x="0" y="0"/>
+          <a:ext cx="0" cy="0"/>
+          <a:chOff x="0" y="0"/>
+          <a:chExt cx="0" cy="0"/>
+        </a:xfrm>
+      </p:grpSpPr>
+      <p:sp>
+        <p:nvSpPr>
+          <p:cNvPr id="2" name="Title 1"/>
+          <p:cNvSpPr>
+            <a:spLocks noGrp="1"/>
+          </p:cNvSpPr>
+          <p:nvPr>
+            <p:ph type="title"/>
+          </p:nvPr>
+        </p:nvSpPr>
+        <p:spPr/>
+        <p:txBody>
+          <a:bodyPr/>
+          <a:lstStyle/>
+          <a:p>
+            <a:r>
+              <a:rPr lang="en-US"/>
+              <a:t>robotium</a:t>
+            </a:r>
+          </a:p>
+        </p:txBody>
+      </p:sp>
+      <p:sp>
+        <p:nvSpPr>
+          <p:cNvPr id="3" name="Content Placeholder 2"/>
+          <p:cNvSpPr>
+            <a:spLocks noGrp="1"/>
+          </p:cNvSpPr>
+          <p:nvPr>
+            <p:ph idx="1"/>
+          </p:nvPr>
+        </p:nvSpPr>
+        <p:spPr/>
+        <p:txBody>
+          <a:bodyPr>
+            <a:normAutofit fontScale="70000" lnSpcReduction="20000"/>
+          </a:bodyPr>
+          <a:lstStyle/>
+          <a:p>
+            <a:r>
+              <a:rPr lang="en-US"/>
+              <a:t>// clickOnCheckbox(</a:t>
+            </a:r>
+            <a:r>
+              <a:rPr lang="en-US" u="sng"/>
+              <a:t>int) This Method will click on the checkbox with given</a:t>
+            </a:r>
+          </a:p>
+          <a:p>
+            <a:r>
+              <a:rPr lang="en-US"/>
+              <a:t>// index.</a:t>
+            </a:r>
+          </a:p>
+          <a:p>
+            <a:endParaRPr lang="en-US"/>
+          </a:p>
+          <a:p>
+            <a:r>
+              <a:rPr lang="en-US"/>
+              <a:t>// clickOnRadioButton(</a:t>
+            </a:r>
+            <a:r>
+              <a:rPr lang="en-US" u="sng"/>
+              <a:t>int) This Method will click on the Radio button with</a:t>
+            </a:r>
+          </a:p>
+          <a:p>
+            <a:r>
+              <a:rPr lang="en-US"/>
+              <a:t>// the given index.</a:t>
+            </a:r>
+          </a:p>
+          <a:p>
+            <a:endParaRPr lang="en-US"/>
+          </a:p>
+          <a:p>
+            <a:r>
+              <a:rPr lang="en-US"/>
+              <a:t>// clickOnImage(</a:t>
+            </a:r>
+            <a:r>
+              <a:rPr lang="en-US" u="sng"/>
+              <a:t>int) This Method will click on the image with the given</a:t>
+            </a:r>
+          </a:p>
+          <a:p>
+            <a:r>
+              <a:rPr lang="en-US"/>
+              <a:t>// index. solo.clickOnImage(1);</a:t>
+            </a:r>
+          </a:p>
+          <a:p>
+            <a:endParaRPr lang="en-US"/>
+          </a:p>
+          <a:p>
+            <a:r>
+              <a:rPr lang="en-US"/>
+              <a:t>// clearEditText(</a:t>
+            </a:r>
+            <a:r>
+              <a:rPr lang="en-US" u="sng"/>
+              <a:t>int) This Method will clear the text in the edit box with</a:t>
+            </a:r>
+          </a:p>
+          <a:p>
+            <a:r>
+              <a:rPr lang="en-US"/>
+              <a:t>// the given index.</a:t>
+            </a:r>
+          </a:p>
+          <a:p>
+            <a:endParaRPr lang="en-US"/>
+          </a:p>
+          <a:p>
+            <a:r>
+              <a:rPr lang="en-US"/>
+              <a:t>// waitForText(text) This Method will wait until the given text is appearing</a:t>
+            </a:r>
+          </a:p>
+          <a:p>
+            <a:r>
+              <a:rPr lang="en-US"/>
+              <a:t>// on the </a:t>
+            </a:r>
+            <a:r>
+              <a:rPr lang="en-US"/>
+              <a:t>activity</a:t>
+            </a:r>
+            <a:r>
+              <a:rPr lang="en-US" smtClean="0"/>
+              <a:t>.</a:t>
+            </a:r>
+          </a:p>
+          <a:p>
+            <a:r>
+              <a:rPr lang="en-US" smtClean="0"/>
+              <a:t>Takescreenshot  // captrue screen</a:t>
+            </a:r>
+            <a:endParaRPr lang="en-US"/>
+          </a:p>
+        </p:txBody>
+      </p:sp>
+    </p:spTree>
+    <p:extLst>
+      <p:ext uri="{BB962C8B-B14F-4D97-AF65-F5344CB8AC3E}">
+        <p14:creationId xmlns:p14="http://schemas.microsoft.com/office/powerpoint/2010/main" val="2870294065"/>
+      </p:ext>
+    </p:extLst>
+  </p:cSld>
+  <p:clrMapOvr>
+    <a:masterClrMapping/>
+  </p:clrMapOvr>
+</p:sld>
+</file>
+
 <file path=ppt/slides/slide2.xml><?xml version="1.0" encoding="utf-8"?>
 <p:sld xmlns:a="http://schemas.openxmlformats.org/drawingml/2006/main" xmlns:r="http://schemas.openxmlformats.org/officeDocument/2006/relationships" xmlns:p="http://schemas.openxmlformats.org/presentationml/2006/main">
   <p:cSld>
@@ -5954,6 +6949,64 @@
     <p:extLst>
       <p:ext uri="{BB962C8B-B14F-4D97-AF65-F5344CB8AC3E}">
         <p14:creationId xmlns:p14="http://schemas.microsoft.com/office/powerpoint/2010/main" val="3190767599"/>
+      </p:ext>
+    </p:extLst>
+  </p:cSld>
+  <p:clrMapOvr>
+    <a:masterClrMapping/>
+  </p:clrMapOvr>
+</p:sld>
+</file>
+
+<file path=ppt/slides/slide20.xml><?xml version="1.0" encoding="utf-8"?>
+<p:sld xmlns:a="http://schemas.openxmlformats.org/drawingml/2006/main" xmlns:r="http://schemas.openxmlformats.org/officeDocument/2006/relationships" xmlns:p="http://schemas.openxmlformats.org/presentationml/2006/main">
+  <p:cSld>
+    <p:spTree>
+      <p:nvGrpSpPr>
+        <p:cNvPr id="1" name=""/>
+        <p:cNvGrpSpPr/>
+        <p:nvPr/>
+      </p:nvGrpSpPr>
+      <p:grpSpPr>
+        <a:xfrm>
+          <a:off x="0" y="0"/>
+          <a:ext cx="0" cy="0"/>
+          <a:chOff x="0" y="0"/>
+          <a:chExt cx="0" cy="0"/>
+        </a:xfrm>
+      </p:grpSpPr>
+      <p:sp>
+        <p:nvSpPr>
+          <p:cNvPr id="2" name="Title 1"/>
+          <p:cNvSpPr>
+            <a:spLocks noGrp="1"/>
+          </p:cNvSpPr>
+          <p:nvPr>
+            <p:ph type="title"/>
+          </p:nvPr>
+        </p:nvSpPr>
+        <p:spPr>
+          <a:xfrm>
+            <a:off x="533400" y="3276600"/>
+            <a:ext cx="8260672" cy="1039427"/>
+          </a:xfrm>
+        </p:spPr>
+        <p:txBody>
+          <a:bodyPr/>
+          <a:lstStyle/>
+          <a:p>
+            <a:r>
+              <a:rPr lang="en-US" smtClean="0"/>
+              <a:t>Thanks</a:t>
+            </a:r>
+            <a:endParaRPr lang="en-US"/>
+          </a:p>
+        </p:txBody>
+      </p:sp>
+    </p:spTree>
+    <p:extLst>
+      <p:ext uri="{BB962C8B-B14F-4D97-AF65-F5344CB8AC3E}">
+        <p14:creationId xmlns:p14="http://schemas.microsoft.com/office/powerpoint/2010/main" val="3549055359"/>
       </p:ext>
     </p:extLst>
   </p:cSld>
@@ -7610,4 +8663,289 @@
   <a:objectDefaults/>
   <a:extraClrSchemeLst/>
 </a:theme>
+</file>
+
+<file path=ppt/theme/theme2.xml><?xml version="1.0" encoding="utf-8"?>
+<a:theme xmlns:a="http://schemas.openxmlformats.org/drawingml/2006/main" name="Office Theme">
+  <a:themeElements>
+    <a:clrScheme name="Office">
+      <a:dk1>
+        <a:sysClr val="windowText" lastClr="000000"/>
+      </a:dk1>
+      <a:lt1>
+        <a:sysClr val="window" lastClr="FFFFFF"/>
+      </a:lt1>
+      <a:dk2>
+        <a:srgbClr val="1F497D"/>
+      </a:dk2>
+      <a:lt2>
+        <a:srgbClr val="EEECE1"/>
+      </a:lt2>
+      <a:accent1>
+        <a:srgbClr val="4F81BD"/>
+      </a:accent1>
+      <a:accent2>
+        <a:srgbClr val="C0504D"/>
+      </a:accent2>
+      <a:accent3>
+        <a:srgbClr val="9BBB59"/>
+      </a:accent3>
+      <a:accent4>
+        <a:srgbClr val="8064A2"/>
+      </a:accent4>
+      <a:accent5>
+        <a:srgbClr val="4BACC6"/>
+      </a:accent5>
+      <a:accent6>
+        <a:srgbClr val="F79646"/>
+      </a:accent6>
+      <a:hlink>
+        <a:srgbClr val="0000FF"/>
+      </a:hlink>
+      <a:folHlink>
+        <a:srgbClr val="800080"/>
+      </a:folHlink>
+    </a:clrScheme>
+    <a:fontScheme name="Office">
+      <a:majorFont>
+        <a:latin typeface="Calibri"/>
+        <a:ea typeface=""/>
+        <a:cs typeface=""/>
+        <a:font script="Jpan" typeface="ＭＳ Ｐゴシック"/>
+        <a:font script="Hang" typeface="맑은 고딕"/>
+        <a:font script="Hans" typeface="宋体"/>
+        <a:font script="Hant" typeface="新細明體"/>
+        <a:font script="Arab" typeface="Times New Roman"/>
+        <a:font script="Hebr" typeface="Times New Roman"/>
+        <a:font script="Thai" typeface="Angsana New"/>
+        <a:font script="Ethi" typeface="Nyala"/>
+        <a:font script="Beng" typeface="Vrinda"/>
+        <a:font script="Gujr" typeface="Shruti"/>
+        <a:font script="Khmr" typeface="MoolBoran"/>
+        <a:font script="Knda" typeface="Tunga"/>
+        <a:font script="Guru" typeface="Raavi"/>
+        <a:font script="Cans" typeface="Euphemia"/>
+        <a:font script="Cher" typeface="Plantagenet Cherokee"/>
+        <a:font script="Yiii" typeface="Microsoft Yi Baiti"/>
+        <a:font script="Tibt" typeface="Microsoft Himalaya"/>
+        <a:font script="Thaa" typeface="MV Boli"/>
+        <a:font script="Deva" typeface="Mangal"/>
+        <a:font script="Telu" typeface="Gautami"/>
+        <a:font script="Taml" typeface="Latha"/>
+        <a:font script="Syrc" typeface="Estrangelo Edessa"/>
+        <a:font script="Orya" typeface="Kalinga"/>
+        <a:font script="Mlym" typeface="Kartika"/>
+        <a:font script="Laoo" typeface="DokChampa"/>
+        <a:font script="Sinh" typeface="Iskoola Pota"/>
+        <a:font script="Mong" typeface="Mongolian Baiti"/>
+        <a:font script="Viet" typeface="Times New Roman"/>
+        <a:font script="Uigh" typeface="Microsoft Uighur"/>
+        <a:font script="Geor" typeface="Sylfaen"/>
+      </a:majorFont>
+      <a:minorFont>
+        <a:latin typeface="Calibri"/>
+        <a:ea typeface=""/>
+        <a:cs typeface=""/>
+        <a:font script="Jpan" typeface="ＭＳ Ｐゴシック"/>
+        <a:font script="Hang" typeface="맑은 고딕"/>
+        <a:font script="Hans" typeface="宋体"/>
+        <a:font script="Hant" typeface="新細明體"/>
+        <a:font script="Arab" typeface="Arial"/>
+        <a:font script="Hebr" typeface="Arial"/>
+        <a:font script="Thai" typeface="Cordia New"/>
+        <a:font script="Ethi" typeface="Nyala"/>
+        <a:font script="Beng" typeface="Vrinda"/>
+        <a:font script="Gujr" typeface="Shruti"/>
+        <a:font script="Khmr" typeface="DaunPenh"/>
+        <a:font script="Knda" typeface="Tunga"/>
+        <a:font script="Guru" typeface="Raavi"/>
+        <a:font script="Cans" typeface="Euphemia"/>
+        <a:font script="Cher" typeface="Plantagenet Cherokee"/>
+        <a:font script="Yiii" typeface="Microsoft Yi Baiti"/>
+        <a:font script="Tibt" typeface="Microsoft Himalaya"/>
+        <a:font script="Thaa" typeface="MV Boli"/>
+        <a:font script="Deva" typeface="Mangal"/>
+        <a:font script="Telu" typeface="Gautami"/>
+        <a:font script="Taml" typeface="Latha"/>
+        <a:font script="Syrc" typeface="Estrangelo Edessa"/>
+        <a:font script="Orya" typeface="Kalinga"/>
+        <a:font script="Mlym" typeface="Kartika"/>
+        <a:font script="Laoo" typeface="DokChampa"/>
+        <a:font script="Sinh" typeface="Iskoola Pota"/>
+        <a:font script="Mong" typeface="Mongolian Baiti"/>
+        <a:font script="Viet" typeface="Arial"/>
+        <a:font script="Uigh" typeface="Microsoft Uighur"/>
+        <a:font script="Geor" typeface="Sylfaen"/>
+      </a:minorFont>
+    </a:fontScheme>
+    <a:fmtScheme name="Office">
+      <a:fillStyleLst>
+        <a:solidFill>
+          <a:schemeClr val="phClr"/>
+        </a:solidFill>
+        <a:gradFill rotWithShape="1">
+          <a:gsLst>
+            <a:gs pos="0">
+              <a:schemeClr val="phClr">
+                <a:tint val="50000"/>
+                <a:satMod val="300000"/>
+              </a:schemeClr>
+            </a:gs>
+            <a:gs pos="35000">
+              <a:schemeClr val="phClr">
+                <a:tint val="37000"/>
+                <a:satMod val="300000"/>
+              </a:schemeClr>
+            </a:gs>
+            <a:gs pos="100000">
+              <a:schemeClr val="phClr">
+                <a:tint val="15000"/>
+                <a:satMod val="350000"/>
+              </a:schemeClr>
+            </a:gs>
+          </a:gsLst>
+          <a:lin ang="16200000" scaled="1"/>
+        </a:gradFill>
+        <a:gradFill rotWithShape="1">
+          <a:gsLst>
+            <a:gs pos="0">
+              <a:schemeClr val="phClr">
+                <a:shade val="51000"/>
+                <a:satMod val="130000"/>
+              </a:schemeClr>
+            </a:gs>
+            <a:gs pos="80000">
+              <a:schemeClr val="phClr">
+                <a:shade val="93000"/>
+                <a:satMod val="130000"/>
+              </a:schemeClr>
+            </a:gs>
+            <a:gs pos="100000">
+              <a:schemeClr val="phClr">
+                <a:shade val="94000"/>
+                <a:satMod val="135000"/>
+              </a:schemeClr>
+            </a:gs>
+          </a:gsLst>
+          <a:lin ang="16200000" scaled="0"/>
+        </a:gradFill>
+      </a:fillStyleLst>
+      <a:lnStyleLst>
+        <a:ln w="9525" cap="flat" cmpd="sng" algn="ctr">
+          <a:solidFill>
+            <a:schemeClr val="phClr">
+              <a:shade val="95000"/>
+              <a:satMod val="105000"/>
+            </a:schemeClr>
+          </a:solidFill>
+          <a:prstDash val="solid"/>
+        </a:ln>
+        <a:ln w="25400" cap="flat" cmpd="sng" algn="ctr">
+          <a:solidFill>
+            <a:schemeClr val="phClr"/>
+          </a:solidFill>
+          <a:prstDash val="solid"/>
+        </a:ln>
+        <a:ln w="38100" cap="flat" cmpd="sng" algn="ctr">
+          <a:solidFill>
+            <a:schemeClr val="phClr"/>
+          </a:solidFill>
+          <a:prstDash val="solid"/>
+        </a:ln>
+      </a:lnStyleLst>
+      <a:effectStyleLst>
+        <a:effectStyle>
+          <a:effectLst>
+            <a:outerShdw blurRad="40000" dist="20000" dir="5400000" rotWithShape="0">
+              <a:srgbClr val="000000">
+                <a:alpha val="38000"/>
+              </a:srgbClr>
+            </a:outerShdw>
+          </a:effectLst>
+        </a:effectStyle>
+        <a:effectStyle>
+          <a:effectLst>
+            <a:outerShdw blurRad="40000" dist="23000" dir="5400000" rotWithShape="0">
+              <a:srgbClr val="000000">
+                <a:alpha val="35000"/>
+              </a:srgbClr>
+            </a:outerShdw>
+          </a:effectLst>
+        </a:effectStyle>
+        <a:effectStyle>
+          <a:effectLst>
+            <a:outerShdw blurRad="40000" dist="23000" dir="5400000" rotWithShape="0">
+              <a:srgbClr val="000000">
+                <a:alpha val="35000"/>
+              </a:srgbClr>
+            </a:outerShdw>
+          </a:effectLst>
+          <a:scene3d>
+            <a:camera prst="orthographicFront">
+              <a:rot lat="0" lon="0" rev="0"/>
+            </a:camera>
+            <a:lightRig rig="threePt" dir="t">
+              <a:rot lat="0" lon="0" rev="1200000"/>
+            </a:lightRig>
+          </a:scene3d>
+          <a:sp3d>
+            <a:bevelT w="63500" h="25400"/>
+          </a:sp3d>
+        </a:effectStyle>
+      </a:effectStyleLst>
+      <a:bgFillStyleLst>
+        <a:solidFill>
+          <a:schemeClr val="phClr"/>
+        </a:solidFill>
+        <a:gradFill rotWithShape="1">
+          <a:gsLst>
+            <a:gs pos="0">
+              <a:schemeClr val="phClr">
+                <a:tint val="40000"/>
+                <a:satMod val="350000"/>
+              </a:schemeClr>
+            </a:gs>
+            <a:gs pos="40000">
+              <a:schemeClr val="phClr">
+                <a:tint val="45000"/>
+                <a:shade val="99000"/>
+                <a:satMod val="350000"/>
+              </a:schemeClr>
+            </a:gs>
+            <a:gs pos="100000">
+              <a:schemeClr val="phClr">
+                <a:shade val="20000"/>
+                <a:satMod val="255000"/>
+              </a:schemeClr>
+            </a:gs>
+          </a:gsLst>
+          <a:path path="circle">
+            <a:fillToRect l="50000" t="-80000" r="50000" b="180000"/>
+          </a:path>
+        </a:gradFill>
+        <a:gradFill rotWithShape="1">
+          <a:gsLst>
+            <a:gs pos="0">
+              <a:schemeClr val="phClr">
+                <a:tint val="80000"/>
+                <a:satMod val="300000"/>
+              </a:schemeClr>
+            </a:gs>
+            <a:gs pos="100000">
+              <a:schemeClr val="phClr">
+                <a:shade val="30000"/>
+                <a:satMod val="200000"/>
+              </a:schemeClr>
+            </a:gs>
+          </a:gsLst>
+          <a:path path="circle">
+            <a:fillToRect l="50000" t="50000" r="50000" b="50000"/>
+          </a:path>
+        </a:gradFill>
+      </a:bgFillStyleLst>
+    </a:fmtScheme>
+  </a:themeElements>
+  <a:objectDefaults/>
+  <a:extraClrSchemeLst/>
+</a:theme>
 </file>